--- a/Documents/Presentations/Group 2 - Gold.pptx
+++ b/Documents/Presentations/Group 2 - Gold.pptx
@@ -5,7 +5,7 @@
     <p:sldMasterId id="2147483677" r:id="rId1"/>
   </p:sldMasterIdLst>
   <p:notesMasterIdLst>
-    <p:notesMasterId r:id="rId9"/>
+    <p:notesMasterId r:id="rId10"/>
   </p:notesMasterIdLst>
   <p:sldIdLst>
     <p:sldId id="261" r:id="rId2"/>
@@ -14,7 +14,8 @@
     <p:sldId id="264" r:id="rId5"/>
     <p:sldId id="265" r:id="rId6"/>
     <p:sldId id="266" r:id="rId7"/>
-    <p:sldId id="260" r:id="rId8"/>
+    <p:sldId id="267" r:id="rId8"/>
+    <p:sldId id="260" r:id="rId9"/>
   </p:sldIdLst>
   <p:sldSz cx="12192000" cy="6858000"/>
   <p:notesSz cx="6858000" cy="9144000"/>
@@ -912,6 +913,94 @@
     <p:extLst>
       <p:ext uri="{BB962C8B-B14F-4D97-AF65-F5344CB8AC3E}">
         <p14:creationId xmlns:p14="http://schemas.microsoft.com/office/powerpoint/2010/main" val="2475828513"/>
+      </p:ext>
+    </p:extLst>
+  </p:cSld>
+  <p:clrMapOvr>
+    <a:masterClrMapping/>
+  </p:clrMapOvr>
+</p:notes>
+</file>
+
+<file path=ppt/notesSlides/notesSlide6.xml><?xml version="1.0" encoding="utf-8"?>
+<p:notes xmlns:a="http://schemas.openxmlformats.org/drawingml/2006/main" xmlns:r="http://schemas.openxmlformats.org/officeDocument/2006/relationships" xmlns:p="http://schemas.openxmlformats.org/presentationml/2006/main">
+  <p:cSld>
+    <p:spTree>
+      <p:nvGrpSpPr>
+        <p:cNvPr id="1" name=""/>
+        <p:cNvGrpSpPr/>
+        <p:nvPr/>
+      </p:nvGrpSpPr>
+      <p:grpSpPr>
+        <a:xfrm>
+          <a:off x="0" y="0"/>
+          <a:ext cx="0" cy="0"/>
+          <a:chOff x="0" y="0"/>
+          <a:chExt cx="0" cy="0"/>
+        </a:xfrm>
+      </p:grpSpPr>
+      <p:sp>
+        <p:nvSpPr>
+          <p:cNvPr id="2" name="Slide Image Placeholder 1"/>
+          <p:cNvSpPr>
+            <a:spLocks noGrp="1" noRot="1" noChangeAspect="1"/>
+          </p:cNvSpPr>
+          <p:nvPr>
+            <p:ph type="sldImg"/>
+          </p:nvPr>
+        </p:nvSpPr>
+        <p:spPr/>
+      </p:sp>
+      <p:sp>
+        <p:nvSpPr>
+          <p:cNvPr id="3" name="Notes Placeholder 2"/>
+          <p:cNvSpPr>
+            <a:spLocks noGrp="1"/>
+          </p:cNvSpPr>
+          <p:nvPr>
+            <p:ph type="body" idx="1"/>
+          </p:nvPr>
+        </p:nvSpPr>
+        <p:spPr/>
+        <p:txBody>
+          <a:bodyPr/>
+          <a:lstStyle/>
+          <a:p>
+            <a:r>
+              <a:rPr lang="en-GB" dirty="0"/>
+              <a:t>Manager lessons</a:t>
+            </a:r>
+          </a:p>
+        </p:txBody>
+      </p:sp>
+      <p:sp>
+        <p:nvSpPr>
+          <p:cNvPr id="4" name="Slide Number Placeholder 3"/>
+          <p:cNvSpPr>
+            <a:spLocks noGrp="1"/>
+          </p:cNvSpPr>
+          <p:nvPr>
+            <p:ph type="sldNum" sz="quarter" idx="10"/>
+          </p:nvPr>
+        </p:nvSpPr>
+        <p:spPr/>
+        <p:txBody>
+          <a:bodyPr/>
+          <a:lstStyle/>
+          <a:p>
+            <a:fld id="{456FB04C-83BB-4334-AE93-112E02DBE88E}" type="slidenum">
+              <a:rPr lang="en-GB" smtClean="0"/>
+              <a:pPr/>
+              <a:t>7</a:t>
+            </a:fld>
+            <a:endParaRPr lang="en-GB"/>
+          </a:p>
+        </p:txBody>
+      </p:sp>
+    </p:spTree>
+    <p:extLst>
+      <p:ext uri="{BB962C8B-B14F-4D97-AF65-F5344CB8AC3E}">
+        <p14:creationId xmlns:p14="http://schemas.microsoft.com/office/powerpoint/2010/main" val="2827241529"/>
       </p:ext>
     </p:extLst>
   </p:cSld>
@@ -4267,7 +4356,7 @@
         <p:spPr>
           <a:xfrm>
             <a:off x="-14025" y="0"/>
-            <a:ext cx="12192000" cy="6858000"/>
+            <a:ext cx="12192000" cy="6963508"/>
           </a:xfrm>
           <a:prstGeom prst="rect">
             <a:avLst/>
@@ -4303,10 +4392,9 @@
           <a:p>
             <a:pPr algn="ctr"/>
             <a:r>
-              <a:rPr lang="en-GB"/>
+              <a:rPr lang="en-GB" dirty="0"/>
               <a:t>https://www.youtube.com/watch?v=JRVPXQjps-Y</a:t>
             </a:r>
-            <a:endParaRPr lang="en-GB" dirty="0"/>
           </a:p>
         </p:txBody>
       </p:sp>
@@ -4558,7 +4646,7 @@
         </p:nvSpPr>
         <p:spPr>
           <a:xfrm>
-            <a:off x="-14025" y="-161581"/>
+            <a:off x="0" y="0"/>
             <a:ext cx="12192000" cy="6858000"/>
           </a:xfrm>
           <a:prstGeom prst="rect">
@@ -4747,7 +4835,7 @@
         <p:spPr>
           <a:xfrm>
             <a:off x="1091045" y="2251012"/>
-            <a:ext cx="10629900" cy="2862322"/>
+            <a:ext cx="10629900" cy="3416320"/>
           </a:xfrm>
           <a:prstGeom prst="rect">
             <a:avLst/>
@@ -4766,30 +4854,8 @@
             </a:pPr>
             <a:r>
               <a:rPr lang="en-GB" sz="3600" dirty="0"/>
-              <a:t>“Has a Childish Feel, But it is fun!” - Val Gonzales</a:t>
-            </a:r>
-          </a:p>
-          <a:p>
-            <a:pPr algn="ctr"/>
-            <a:r>
-              <a:rPr lang="en-GB" sz="3600" dirty="0"/>
-              <a:t> </a:t>
-            </a:r>
-          </a:p>
-          <a:p>
-            <a:pPr marL="342900" indent="-342900" algn="ctr">
-              <a:buFont typeface="Arial" panose="020B0604020202020204" pitchFamily="34" charset="0"/>
-              <a:buChar char="•"/>
-            </a:pPr>
-            <a:r>
-              <a:rPr lang="en-GB" sz="3600" dirty="0"/>
-              <a:t>“Beautiful Artwork”- Moni </a:t>
-            </a:r>
-            <a:r>
-              <a:rPr lang="en-GB" sz="3600" dirty="0" err="1"/>
-              <a:t>Creepster</a:t>
-            </a:r>
-            <a:endParaRPr lang="en-GB" sz="3600" dirty="0"/>
+              <a:t>“Game killing bugs”- Josh Thompson</a:t>
+            </a:r>
           </a:p>
           <a:p>
             <a:pPr marL="342900" indent="-342900" algn="ctr">
@@ -4805,8 +4871,37 @@
             </a:pPr>
             <a:r>
               <a:rPr lang="en-GB" sz="3600" dirty="0"/>
-              <a:t>“Game killing bugs”- Josh Thompson</a:t>
-            </a:r>
+              <a:t>“Has a Childish Feel, But it is fun!” - Val Gonzales</a:t>
+            </a:r>
+          </a:p>
+          <a:p>
+            <a:pPr algn="ctr"/>
+            <a:r>
+              <a:rPr lang="en-GB" sz="3600" dirty="0"/>
+              <a:t> </a:t>
+            </a:r>
+          </a:p>
+          <a:p>
+            <a:pPr marL="342900" indent="-342900" algn="ctr">
+              <a:buFont typeface="Arial" panose="020B0604020202020204" pitchFamily="34" charset="0"/>
+              <a:buChar char="•"/>
+            </a:pPr>
+            <a:r>
+              <a:rPr lang="en-GB" sz="3600" dirty="0"/>
+              <a:t>“Beautiful Artwork”- Moni </a:t>
+            </a:r>
+            <a:r>
+              <a:rPr lang="en-GB" sz="3600" dirty="0" err="1"/>
+              <a:t>Creepster</a:t>
+            </a:r>
+            <a:endParaRPr lang="en-GB" sz="3600" dirty="0"/>
+          </a:p>
+          <a:p>
+            <a:pPr marL="342900" indent="-342900" algn="ctr">
+              <a:buFont typeface="Arial" panose="020B0604020202020204" pitchFamily="34" charset="0"/>
+              <a:buChar char="•"/>
+            </a:pPr>
+            <a:endParaRPr lang="en-GB" sz="3600" dirty="0"/>
           </a:p>
         </p:txBody>
       </p:sp>
@@ -4916,8 +5011,8 @@
         </p:nvSpPr>
         <p:spPr>
           <a:xfrm>
-            <a:off x="0" y="0"/>
-            <a:ext cx="12192000" cy="6858000"/>
+            <a:off x="0" y="-161581"/>
+            <a:ext cx="12192000" cy="7019581"/>
           </a:xfrm>
           <a:prstGeom prst="rect">
             <a:avLst/>
@@ -5797,6 +5892,288 @@
 </file>
 
 <file path=ppt/slides/slide7.xml><?xml version="1.0" encoding="utf-8"?>
+<p:sld xmlns:a="http://schemas.openxmlformats.org/drawingml/2006/main" xmlns:r="http://schemas.openxmlformats.org/officeDocument/2006/relationships" xmlns:p="http://schemas.openxmlformats.org/presentationml/2006/main">
+  <p:cSld>
+    <p:spTree>
+      <p:nvGrpSpPr>
+        <p:cNvPr id="1" name=""/>
+        <p:cNvGrpSpPr/>
+        <p:nvPr/>
+      </p:nvGrpSpPr>
+      <p:grpSpPr>
+        <a:xfrm>
+          <a:off x="0" y="0"/>
+          <a:ext cx="0" cy="0"/>
+          <a:chOff x="0" y="0"/>
+          <a:chExt cx="0" cy="0"/>
+        </a:xfrm>
+      </p:grpSpPr>
+      <p:sp>
+        <p:nvSpPr>
+          <p:cNvPr id="4" name="Title 3">
+            <a:extLst>
+              <a:ext uri="{FF2B5EF4-FFF2-40B4-BE49-F238E27FC236}">
+                <a16:creationId xmlns:a16="http://schemas.microsoft.com/office/drawing/2014/main" id="{9D2F378C-5706-4A4D-9006-D4A6D95CD2EE}"/>
+              </a:ext>
+            </a:extLst>
+          </p:cNvPr>
+          <p:cNvSpPr>
+            <a:spLocks noGrp="1"/>
+          </p:cNvSpPr>
+          <p:nvPr>
+            <p:ph type="title"/>
+          </p:nvPr>
+        </p:nvSpPr>
+        <p:spPr/>
+        <p:txBody>
+          <a:bodyPr/>
+          <a:lstStyle/>
+          <a:p>
+            <a:endParaRPr lang="en-GB"/>
+          </a:p>
+        </p:txBody>
+      </p:sp>
+      <p:sp>
+        <p:nvSpPr>
+          <p:cNvPr id="5" name="Content Placeholder 4">
+            <a:extLst>
+              <a:ext uri="{FF2B5EF4-FFF2-40B4-BE49-F238E27FC236}">
+                <a16:creationId xmlns:a16="http://schemas.microsoft.com/office/drawing/2014/main" id="{0A176E71-E00A-46E0-A0B8-013B2F3C6F22}"/>
+              </a:ext>
+            </a:extLst>
+          </p:cNvPr>
+          <p:cNvSpPr>
+            <a:spLocks noGrp="1"/>
+          </p:cNvSpPr>
+          <p:nvPr>
+            <p:ph idx="1"/>
+          </p:nvPr>
+        </p:nvSpPr>
+        <p:spPr/>
+        <p:txBody>
+          <a:bodyPr/>
+          <a:lstStyle/>
+          <a:p>
+            <a:endParaRPr lang="en-GB"/>
+          </a:p>
+        </p:txBody>
+      </p:sp>
+      <p:sp>
+        <p:nvSpPr>
+          <p:cNvPr id="6" name="Rectangle 5">
+            <a:extLst>
+              <a:ext uri="{FF2B5EF4-FFF2-40B4-BE49-F238E27FC236}">
+                <a16:creationId xmlns:a16="http://schemas.microsoft.com/office/drawing/2014/main" id="{FDDDE80E-15B6-429A-960A-B8FA236A31B1}"/>
+              </a:ext>
+            </a:extLst>
+          </p:cNvPr>
+          <p:cNvSpPr/>
+          <p:nvPr/>
+        </p:nvSpPr>
+        <p:spPr>
+          <a:xfrm>
+            <a:off x="0" y="0"/>
+            <a:ext cx="12192000" cy="6858000"/>
+          </a:xfrm>
+          <a:prstGeom prst="rect">
+            <a:avLst/>
+          </a:prstGeom>
+          <a:solidFill>
+            <a:srgbClr val="92D050"/>
+          </a:solidFill>
+          <a:ln>
+            <a:solidFill>
+              <a:srgbClr val="92D050"/>
+            </a:solidFill>
+          </a:ln>
+        </p:spPr>
+        <p:style>
+          <a:lnRef idx="2">
+            <a:schemeClr val="accent1">
+              <a:shade val="50000"/>
+            </a:schemeClr>
+          </a:lnRef>
+          <a:fillRef idx="1">
+            <a:schemeClr val="accent1"/>
+          </a:fillRef>
+          <a:effectRef idx="0">
+            <a:schemeClr val="accent1"/>
+          </a:effectRef>
+          <a:fontRef idx="minor">
+            <a:schemeClr val="lt1"/>
+          </a:fontRef>
+        </p:style>
+        <p:txBody>
+          <a:bodyPr rtlCol="0" anchor="ctr"/>
+          <a:lstStyle/>
+          <a:p>
+            <a:pPr algn="ctr"/>
+            <a:endParaRPr lang="en-GB" dirty="0"/>
+          </a:p>
+        </p:txBody>
+      </p:sp>
+      <p:pic>
+        <p:nvPicPr>
+          <p:cNvPr id="7" name="Picture 6">
+            <a:extLst>
+              <a:ext uri="{FF2B5EF4-FFF2-40B4-BE49-F238E27FC236}">
+                <a16:creationId xmlns:a16="http://schemas.microsoft.com/office/drawing/2014/main" id="{31BB9453-F7CF-49A6-B6C7-6B9B5F8E1776}"/>
+              </a:ext>
+            </a:extLst>
+          </p:cNvPr>
+          <p:cNvPicPr>
+            <a:picLocks noChangeAspect="1"/>
+          </p:cNvPicPr>
+          <p:nvPr/>
+        </p:nvPicPr>
+        <p:blipFill rotWithShape="1">
+          <a:blip r:embed="rId3" cstate="print">
+            <a:extLst>
+              <a:ext uri="{28A0092B-C50C-407E-A947-70E740481C1C}">
+                <a14:useLocalDpi xmlns:a14="http://schemas.microsoft.com/office/drawing/2010/main" val="0"/>
+              </a:ext>
+            </a:extLst>
+          </a:blip>
+          <a:srcRect l="10634" t="17879" r="44202" b="20580"/>
+          <a:stretch/>
+        </p:blipFill>
+        <p:spPr>
+          <a:xfrm rot="2038649">
+            <a:off x="-42082" y="186761"/>
+            <a:ext cx="1760565" cy="1682291"/>
+          </a:xfrm>
+          <a:prstGeom prst="rect">
+            <a:avLst/>
+          </a:prstGeom>
+        </p:spPr>
+      </p:pic>
+      <p:pic>
+        <p:nvPicPr>
+          <p:cNvPr id="8" name="Picture 7">
+            <a:extLst>
+              <a:ext uri="{FF2B5EF4-FFF2-40B4-BE49-F238E27FC236}">
+                <a16:creationId xmlns:a16="http://schemas.microsoft.com/office/drawing/2014/main" id="{FAB085CC-24B5-46BC-8811-88F092855A31}"/>
+              </a:ext>
+            </a:extLst>
+          </p:cNvPr>
+          <p:cNvPicPr>
+            <a:picLocks noChangeAspect="1"/>
+          </p:cNvPicPr>
+          <p:nvPr/>
+        </p:nvPicPr>
+        <p:blipFill rotWithShape="1">
+          <a:blip r:embed="rId3" cstate="print">
+            <a:extLst>
+              <a:ext uri="{28A0092B-C50C-407E-A947-70E740481C1C}">
+                <a14:useLocalDpi xmlns:a14="http://schemas.microsoft.com/office/drawing/2010/main" val="0"/>
+              </a:ext>
+            </a:extLst>
+          </a:blip>
+          <a:srcRect l="10634" t="17879" r="44202" b="20580"/>
+          <a:stretch/>
+        </p:blipFill>
+        <p:spPr>
+          <a:xfrm rot="7545773" flipV="1">
+            <a:off x="10446925" y="174753"/>
+            <a:ext cx="1785698" cy="1706306"/>
+          </a:xfrm>
+          <a:prstGeom prst="rect">
+            <a:avLst/>
+          </a:prstGeom>
+        </p:spPr>
+      </p:pic>
+      <p:sp>
+        <p:nvSpPr>
+          <p:cNvPr id="2" name="TextBox 1">
+            <a:extLst>
+              <a:ext uri="{FF2B5EF4-FFF2-40B4-BE49-F238E27FC236}">
+                <a16:creationId xmlns:a16="http://schemas.microsoft.com/office/drawing/2014/main" id="{BB2AD221-DFA7-491E-9B71-1E44E43AC72F}"/>
+              </a:ext>
+            </a:extLst>
+          </p:cNvPr>
+          <p:cNvSpPr txBox="1"/>
+          <p:nvPr/>
+        </p:nvSpPr>
+        <p:spPr>
+          <a:xfrm>
+            <a:off x="2038270" y="576057"/>
+            <a:ext cx="8087409" cy="1077218"/>
+          </a:xfrm>
+          <a:prstGeom prst="rect">
+            <a:avLst/>
+          </a:prstGeom>
+          <a:noFill/>
+        </p:spPr>
+        <p:txBody>
+          <a:bodyPr wrap="square" rtlCol="0">
+            <a:spAutoFit/>
+          </a:bodyPr>
+          <a:lstStyle/>
+          <a:p>
+            <a:pPr algn="ctr"/>
+            <a:r>
+              <a:rPr lang="en-GB" sz="6400" dirty="0"/>
+              <a:t>Managerial Hours</a:t>
+            </a:r>
+          </a:p>
+        </p:txBody>
+      </p:sp>
+      <p:pic>
+        <p:nvPicPr>
+          <p:cNvPr id="9" name="Picture 8">
+            <a:extLst>
+              <a:ext uri="{FF2B5EF4-FFF2-40B4-BE49-F238E27FC236}">
+                <a16:creationId xmlns:a16="http://schemas.microsoft.com/office/drawing/2014/main" id="{A3942DB5-E98E-471C-8398-6E02D3B8DF7F}"/>
+              </a:ext>
+            </a:extLst>
+          </p:cNvPr>
+          <p:cNvPicPr>
+            <a:picLocks noChangeAspect="1"/>
+          </p:cNvPicPr>
+          <p:nvPr/>
+        </p:nvPicPr>
+        <p:blipFill>
+          <a:blip r:embed="rId4"/>
+          <a:stretch>
+            <a:fillRect/>
+          </a:stretch>
+        </p:blipFill>
+        <p:spPr>
+          <a:xfrm>
+            <a:off x="2368137" y="3397219"/>
+            <a:ext cx="7219788" cy="1208150"/>
+          </a:xfrm>
+          <a:prstGeom prst="rect">
+            <a:avLst/>
+          </a:prstGeom>
+        </p:spPr>
+      </p:pic>
+    </p:spTree>
+    <p:extLst>
+      <p:ext uri="{BB962C8B-B14F-4D97-AF65-F5344CB8AC3E}">
+        <p14:creationId xmlns:p14="http://schemas.microsoft.com/office/powerpoint/2010/main" val="3225401709"/>
+      </p:ext>
+    </p:extLst>
+  </p:cSld>
+  <p:clrMapOvr>
+    <a:masterClrMapping/>
+  </p:clrMapOvr>
+  <mc:AlternateContent xmlns:mc="http://schemas.openxmlformats.org/markup-compatibility/2006" xmlns:p14="http://schemas.microsoft.com/office/powerpoint/2010/main">
+    <mc:Choice Requires="p14">
+      <p:transition p14:dur="100">
+        <p:cut/>
+      </p:transition>
+    </mc:Choice>
+    <mc:Fallback xmlns="">
+      <p:transition>
+        <p:cut/>
+      </p:transition>
+    </mc:Fallback>
+  </mc:AlternateContent>
+</p:sld>
+</file>
+
+<file path=ppt/slides/slide8.xml><?xml version="1.0" encoding="utf-8"?>
 <p:sld xmlns:a="http://schemas.openxmlformats.org/drawingml/2006/main" xmlns:r="http://schemas.openxmlformats.org/officeDocument/2006/relationships" xmlns:p="http://schemas.openxmlformats.org/presentationml/2006/main">
   <p:cSld>
     <p:spTree>

--- a/Documents/Presentations/Group 2 - Gold.pptx
+++ b/Documents/Presentations/Group 2 - Gold.pptx
@@ -4848,10 +4848,7 @@
           </a:bodyPr>
           <a:lstStyle/>
           <a:p>
-            <a:pPr marL="342900" indent="-342900" algn="ctr">
-              <a:buFont typeface="Arial" panose="020B0604020202020204" pitchFamily="34" charset="0"/>
-              <a:buChar char="•"/>
-            </a:pPr>
+            <a:pPr algn="ctr"/>
             <a:r>
               <a:rPr lang="en-GB" sz="3600" dirty="0"/>
               <a:t>“Game killing bugs”- Josh Thompson</a:t>
@@ -4865,10 +4862,7 @@
             <a:endParaRPr lang="en-GB" sz="3600" dirty="0"/>
           </a:p>
           <a:p>
-            <a:pPr marL="342900" indent="-342900" algn="ctr">
-              <a:buFont typeface="Arial" panose="020B0604020202020204" pitchFamily="34" charset="0"/>
-              <a:buChar char="•"/>
-            </a:pPr>
+            <a:pPr algn="ctr"/>
             <a:r>
               <a:rPr lang="en-GB" sz="3600" dirty="0"/>
               <a:t>“Has a Childish Feel, But it is fun!” - Val Gonzales</a:t>
@@ -4882,10 +4876,7 @@
             </a:r>
           </a:p>
           <a:p>
-            <a:pPr marL="342900" indent="-342900" algn="ctr">
-              <a:buFont typeface="Arial" panose="020B0604020202020204" pitchFamily="34" charset="0"/>
-              <a:buChar char="•"/>
-            </a:pPr>
+            <a:pPr algn="ctr"/>
             <a:r>
               <a:rPr lang="en-GB" sz="3600" dirty="0"/>
               <a:t>“Beautiful Artwork”- Moni </a:t>
